--- a/OpenSource.pptx
+++ b/OpenSource.pptx
@@ -11,6 +11,8 @@
     <p:sldId id="259" r:id="rId5"/>
     <p:sldId id="260" r:id="rId6"/>
     <p:sldId id="261" r:id="rId7"/>
+    <p:sldId id="262" r:id="rId8"/>
+    <p:sldId id="263" r:id="rId9"/>
   </p:sldIdLst>
   <p:sldSz cx="9144000" cy="6858000" type="screen4x3"/>
   <p:notesSz cx="6858000" cy="9144000"/>
@@ -3281,12 +3283,20 @@
           </a:p>
           <a:p>
             <a:r>
+              <a:rPr lang="ko-KR" altLang="en-US" dirty="0" err="1" smtClean="0"/>
+              <a:t>오픈소스의</a:t>
+            </a:r>
+            <a:r>
+              <a:rPr lang="ko-KR" altLang="en-US" dirty="0" smtClean="0"/>
+              <a:t> 성지</a:t>
+            </a:r>
+            <a:r>
+              <a:rPr lang="en-US" altLang="ko-KR" dirty="0" smtClean="0"/>
+              <a:t>, </a:t>
+            </a:r>
+            <a:r>
               <a:rPr lang="en-US" altLang="ko-KR" dirty="0" err="1" smtClean="0"/>
-              <a:t>Git</a:t>
-            </a:r>
-            <a:r>
-              <a:rPr lang="ko-KR" altLang="en-US" dirty="0" smtClean="0"/>
-              <a:t>에 관하여</a:t>
+              <a:t>GitHub</a:t>
             </a:r>
             <a:endParaRPr lang="ko-KR" altLang="en-US" dirty="0"/>
           </a:p>
@@ -3366,7 +3376,43 @@
           <a:bodyPr/>
           <a:lstStyle/>
           <a:p>
-            <a:endParaRPr lang="ko-KR" altLang="en-US"/>
+            <a:r>
+              <a:rPr lang="ko-KR" altLang="en-US" dirty="0" smtClean="0"/>
+              <a:t>소스코드</a:t>
+            </a:r>
+            <a:r>
+              <a:rPr lang="en-US" altLang="ko-KR" dirty="0" smtClean="0"/>
+              <a:t>, </a:t>
+            </a:r>
+            <a:r>
+              <a:rPr lang="ko-KR" altLang="en-US" dirty="0" smtClean="0"/>
+              <a:t>설계도</a:t>
+            </a:r>
+            <a:r>
+              <a:rPr lang="en-US" altLang="ko-KR" dirty="0" smtClean="0"/>
+              <a:t>, </a:t>
+            </a:r>
+            <a:r>
+              <a:rPr lang="ko-KR" altLang="en-US" dirty="0" smtClean="0"/>
+              <a:t>내용 등의 이용을 허락</a:t>
+            </a:r>
+            <a:endParaRPr lang="en-US" altLang="ko-KR" dirty="0" smtClean="0"/>
+          </a:p>
+          <a:p>
+            <a:endParaRPr lang="en-US" altLang="ko-KR" dirty="0"/>
+          </a:p>
+          <a:p>
+            <a:r>
+              <a:rPr lang="ko-KR" altLang="en-US" dirty="0" smtClean="0"/>
+              <a:t>하드웨어에도 적용</a:t>
+            </a:r>
+            <a:endParaRPr lang="en-US" altLang="ko-KR" dirty="0"/>
+          </a:p>
+          <a:p>
+            <a:endParaRPr lang="en-US" altLang="ko-KR" dirty="0"/>
+          </a:p>
+          <a:p>
+            <a:endParaRPr lang="en-US" altLang="ko-KR" dirty="0" smtClean="0"/>
           </a:p>
         </p:txBody>
       </p:sp>
@@ -3415,7 +3461,15 @@
           <a:bodyPr/>
           <a:lstStyle/>
           <a:p>
-            <a:endParaRPr lang="ko-KR" altLang="en-US"/>
+            <a:r>
+              <a:rPr lang="ko-KR" altLang="en-US" dirty="0" err="1" smtClean="0"/>
+              <a:t>오픈소스</a:t>
+            </a:r>
+            <a:r>
+              <a:rPr lang="ko-KR" altLang="en-US" dirty="0" smtClean="0"/>
+              <a:t> 창시자</a:t>
+            </a:r>
+            <a:endParaRPr lang="ko-KR" altLang="en-US" dirty="0"/>
           </a:p>
         </p:txBody>
       </p:sp>
@@ -3429,12 +3483,214 @@
             <p:ph idx="1"/>
           </p:nvPr>
         </p:nvSpPr>
-        <p:spPr/>
-        <p:txBody>
-          <a:bodyPr/>
-          <a:lstStyle/>
-          <a:p>
-            <a:endParaRPr lang="ko-KR" altLang="en-US"/>
+        <p:spPr>
+          <a:xfrm>
+            <a:off x="457200" y="1600200"/>
+            <a:ext cx="8229600" cy="5069160"/>
+          </a:xfrm>
+        </p:spPr>
+        <p:txBody>
+          <a:bodyPr>
+            <a:noAutofit/>
+          </a:bodyPr>
+          <a:lstStyle/>
+          <a:p>
+            <a:pPr fontAlgn="base"/>
+            <a:r>
+              <a:rPr lang="ko-KR" altLang="en-US" sz="2000" dirty="0" err="1"/>
+              <a:t>리차드</a:t>
+            </a:r>
+            <a:r>
+              <a:rPr lang="ko-KR" altLang="en-US" sz="2000" dirty="0"/>
+              <a:t> </a:t>
+            </a:r>
+            <a:r>
+              <a:rPr lang="ko-KR" altLang="en-US" sz="2000" dirty="0" err="1"/>
+              <a:t>스톨만</a:t>
+            </a:r>
+            <a:endParaRPr lang="ko-KR" altLang="en-US" sz="2000" dirty="0"/>
+          </a:p>
+          <a:p>
+            <a:pPr fontAlgn="base"/>
+            <a:r>
+              <a:rPr lang="ko-KR" altLang="en-US" sz="2000" dirty="0"/>
+              <a:t>자유 소프트웨어 재단 창시자</a:t>
+            </a:r>
+          </a:p>
+          <a:p>
+            <a:pPr fontAlgn="base"/>
+            <a:r>
+              <a:rPr lang="en-US" altLang="ko-KR" sz="2000" dirty="0"/>
+              <a:t>1953</a:t>
+            </a:r>
+            <a:r>
+              <a:rPr lang="ko-KR" altLang="en-US" sz="2000" dirty="0"/>
+              <a:t>년 </a:t>
+            </a:r>
+            <a:r>
+              <a:rPr lang="ko-KR" altLang="en-US" sz="2000" dirty="0" err="1"/>
+              <a:t>맨하탄</a:t>
+            </a:r>
+            <a:r>
+              <a:rPr lang="ko-KR" altLang="en-US" sz="2000" dirty="0"/>
+              <a:t> 출생</a:t>
+            </a:r>
+          </a:p>
+          <a:p>
+            <a:pPr fontAlgn="base"/>
+            <a:r>
+              <a:rPr lang="en-US" altLang="ko-KR" sz="2000" dirty="0"/>
+              <a:t>1971</a:t>
+            </a:r>
+            <a:r>
+              <a:rPr lang="ko-KR" altLang="en-US" sz="2000" dirty="0"/>
+              <a:t>년 하버드 자퇴</a:t>
+            </a:r>
+            <a:r>
+              <a:rPr lang="en-US" altLang="ko-KR" sz="2000" dirty="0"/>
+              <a:t>, MIT </a:t>
+            </a:r>
+            <a:r>
+              <a:rPr lang="ko-KR" altLang="en-US" sz="2000" dirty="0"/>
+              <a:t>입학</a:t>
+            </a:r>
+          </a:p>
+          <a:p>
+            <a:pPr fontAlgn="base"/>
+            <a:r>
+              <a:rPr lang="en-US" altLang="ko-KR" sz="2000" dirty="0"/>
+              <a:t>1974</a:t>
+            </a:r>
+            <a:r>
+              <a:rPr lang="ko-KR" altLang="en-US" sz="2000" dirty="0"/>
+              <a:t>년 </a:t>
+            </a:r>
+            <a:r>
+              <a:rPr lang="ko-KR" altLang="en-US" sz="2000" dirty="0" err="1"/>
+              <a:t>이맥스</a:t>
+            </a:r>
+            <a:r>
+              <a:rPr lang="en-US" altLang="ko-KR" sz="2000" dirty="0"/>
+              <a:t>(</a:t>
+            </a:r>
+            <a:r>
+              <a:rPr lang="en-US" altLang="ko-KR" sz="2000" dirty="0" err="1"/>
+              <a:t>Emacs</a:t>
+            </a:r>
+            <a:r>
+              <a:rPr lang="en-US" altLang="ko-KR" sz="2000" dirty="0"/>
+              <a:t>)</a:t>
+            </a:r>
+            <a:r>
+              <a:rPr lang="ko-KR" altLang="en-US" sz="2000" dirty="0"/>
+              <a:t>개발</a:t>
+            </a:r>
+          </a:p>
+          <a:p>
+            <a:pPr fontAlgn="base"/>
+            <a:r>
+              <a:rPr lang="en-US" altLang="ko-KR" sz="2000" dirty="0"/>
+              <a:t>1984</a:t>
+            </a:r>
+            <a:r>
+              <a:rPr lang="ko-KR" altLang="en-US" sz="2000" dirty="0"/>
+              <a:t>년 </a:t>
+            </a:r>
+            <a:r>
+              <a:rPr lang="en-US" altLang="ko-KR" sz="2000" dirty="0"/>
+              <a:t>GNU</a:t>
+            </a:r>
+            <a:r>
+              <a:rPr lang="ko-KR" altLang="en-US" sz="2000" dirty="0"/>
+              <a:t>프로젝트 주도</a:t>
+            </a:r>
+          </a:p>
+          <a:p>
+            <a:pPr fontAlgn="base"/>
+            <a:r>
+              <a:rPr lang="en-US" altLang="ko-KR" sz="2000" dirty="0"/>
+              <a:t>1985</a:t>
+            </a:r>
+            <a:r>
+              <a:rPr lang="ko-KR" altLang="en-US" sz="2000" dirty="0"/>
+              <a:t>년 </a:t>
+            </a:r>
+            <a:r>
+              <a:rPr lang="en-US" altLang="ko-KR" sz="2000" dirty="0"/>
+              <a:t>GNU</a:t>
+            </a:r>
+            <a:r>
+              <a:rPr lang="ko-KR" altLang="en-US" sz="2000" dirty="0"/>
+              <a:t>선언문 제정</a:t>
+            </a:r>
+          </a:p>
+          <a:p>
+            <a:pPr fontAlgn="base"/>
+            <a:r>
+              <a:rPr lang="en-US" altLang="ko-KR" sz="2000" dirty="0"/>
+              <a:t>1990</a:t>
+            </a:r>
+            <a:r>
+              <a:rPr lang="ko-KR" altLang="en-US" sz="2000" dirty="0"/>
+              <a:t>년 </a:t>
+            </a:r>
+            <a:r>
+              <a:rPr lang="ko-KR" altLang="en-US" sz="2000" dirty="0" err="1"/>
+              <a:t>펠로우쉽</a:t>
+            </a:r>
+            <a:r>
+              <a:rPr lang="ko-KR" altLang="en-US" sz="2000" dirty="0"/>
+              <a:t> 수여</a:t>
+            </a:r>
+          </a:p>
+          <a:p>
+            <a:pPr fontAlgn="base"/>
+            <a:r>
+              <a:rPr lang="en-US" altLang="ko-KR" sz="2000" dirty="0"/>
+              <a:t>1991</a:t>
+            </a:r>
+            <a:r>
+              <a:rPr lang="ko-KR" altLang="en-US" sz="2000" dirty="0"/>
+              <a:t>년 </a:t>
+            </a:r>
+            <a:r>
+              <a:rPr lang="ko-KR" altLang="en-US" sz="2000" dirty="0" err="1"/>
+              <a:t>그레이스</a:t>
+            </a:r>
+            <a:r>
+              <a:rPr lang="ko-KR" altLang="en-US" sz="2000" dirty="0"/>
+              <a:t> </a:t>
+            </a:r>
+            <a:r>
+              <a:rPr lang="ko-KR" altLang="en-US" sz="2000" dirty="0" err="1"/>
+              <a:t>호퍼상</a:t>
+            </a:r>
+            <a:r>
+              <a:rPr lang="ko-KR" altLang="en-US" sz="2000" dirty="0"/>
+              <a:t> 수상</a:t>
+            </a:r>
+          </a:p>
+          <a:p>
+            <a:pPr fontAlgn="base"/>
+            <a:r>
+              <a:rPr lang="en-US" altLang="ko-KR" sz="2000" dirty="0"/>
+              <a:t>1996</a:t>
+            </a:r>
+            <a:r>
+              <a:rPr lang="ko-KR" altLang="en-US" sz="2000" dirty="0"/>
+              <a:t>년 스웨덴 왕립 기술원 명예박사</a:t>
+            </a:r>
+          </a:p>
+          <a:p>
+            <a:pPr fontAlgn="base"/>
+            <a:r>
+              <a:rPr lang="en-US" altLang="ko-KR" sz="2000" dirty="0"/>
+              <a:t>1998</a:t>
+            </a:r>
+            <a:r>
+              <a:rPr lang="ko-KR" altLang="en-US" sz="2000" dirty="0"/>
+              <a:t>년 전자 개척 재단 선구자상 공동 수상</a:t>
+            </a:r>
           </a:p>
         </p:txBody>
       </p:sp>
@@ -3483,7 +3739,15 @@
           <a:bodyPr/>
           <a:lstStyle/>
           <a:p>
-            <a:endParaRPr lang="ko-KR" altLang="en-US"/>
+            <a:r>
+              <a:rPr lang="ko-KR" altLang="en-US" dirty="0" err="1" smtClean="0"/>
+              <a:t>오픈소스의</a:t>
+            </a:r>
+            <a:r>
+              <a:rPr lang="ko-KR" altLang="en-US" dirty="0" smtClean="0"/>
+              <a:t> 장단점</a:t>
+            </a:r>
+            <a:endParaRPr lang="ko-KR" altLang="en-US" dirty="0"/>
           </a:p>
         </p:txBody>
       </p:sp>
@@ -3497,12 +3761,128 @@
             <p:ph idx="1"/>
           </p:nvPr>
         </p:nvSpPr>
-        <p:spPr/>
-        <p:txBody>
-          <a:bodyPr/>
-          <a:lstStyle/>
-          <a:p>
-            <a:endParaRPr lang="ko-KR" altLang="en-US"/>
+        <p:spPr>
+          <a:xfrm>
+            <a:off x="457200" y="1600200"/>
+            <a:ext cx="8229600" cy="4925144"/>
+          </a:xfrm>
+        </p:spPr>
+        <p:txBody>
+          <a:bodyPr>
+            <a:normAutofit fontScale="92500" lnSpcReduction="10000"/>
+          </a:bodyPr>
+          <a:lstStyle/>
+          <a:p>
+            <a:r>
+              <a:rPr lang="ko-KR" altLang="en-US" dirty="0" smtClean="0"/>
+              <a:t>장점</a:t>
+            </a:r>
+            <a:endParaRPr lang="en-US" altLang="ko-KR" dirty="0" smtClean="0"/>
+          </a:p>
+          <a:p>
+            <a:pPr marL="0" indent="0">
+              <a:buNone/>
+            </a:pPr>
+            <a:r>
+              <a:rPr lang="en-US" altLang="ko-KR" dirty="0" smtClean="0"/>
+              <a:t> - </a:t>
+            </a:r>
+            <a:r>
+              <a:rPr lang="ko-KR" altLang="en-US" dirty="0"/>
+              <a:t>저비용</a:t>
+            </a:r>
+            <a:endParaRPr lang="en-US" altLang="ko-KR" dirty="0"/>
+          </a:p>
+          <a:p>
+            <a:pPr marL="0" indent="0">
+              <a:buNone/>
+            </a:pPr>
+            <a:r>
+              <a:rPr lang="en-US" altLang="ko-KR" dirty="0"/>
+              <a:t> - </a:t>
+            </a:r>
+            <a:r>
+              <a:rPr lang="ko-KR" altLang="en-US" dirty="0"/>
+              <a:t>원하는 대로 변형 가능</a:t>
+            </a:r>
+            <a:endParaRPr lang="en-US" altLang="ko-KR" dirty="0"/>
+          </a:p>
+          <a:p>
+            <a:pPr marL="0" indent="0">
+              <a:buNone/>
+            </a:pPr>
+            <a:r>
+              <a:rPr lang="en-US" altLang="ko-KR" dirty="0"/>
+              <a:t> - </a:t>
+            </a:r>
+            <a:r>
+              <a:rPr lang="ko-KR" altLang="en-US" dirty="0"/>
+              <a:t>보안취약점 발견 </a:t>
+            </a:r>
+            <a:r>
+              <a:rPr lang="ko-KR" altLang="en-US" dirty="0" smtClean="0"/>
+              <a:t>용이</a:t>
+            </a:r>
+            <a:endParaRPr lang="en-US" altLang="ko-KR" dirty="0" smtClean="0"/>
+          </a:p>
+          <a:p>
+            <a:pPr marL="0" indent="0">
+              <a:buNone/>
+            </a:pPr>
+            <a:endParaRPr lang="en-US" altLang="ko-KR" dirty="0" smtClean="0"/>
+          </a:p>
+          <a:p>
+            <a:r>
+              <a:rPr lang="ko-KR" altLang="en-US" dirty="0" smtClean="0"/>
+              <a:t>단점</a:t>
+            </a:r>
+            <a:endParaRPr lang="en-US" altLang="ko-KR" dirty="0" smtClean="0"/>
+          </a:p>
+          <a:p>
+            <a:pPr marL="0" indent="0">
+              <a:buNone/>
+            </a:pPr>
+            <a:r>
+              <a:rPr lang="en-US" altLang="ko-KR" dirty="0"/>
+              <a:t> </a:t>
+            </a:r>
+            <a:r>
+              <a:rPr lang="en-US" altLang="ko-KR" dirty="0" smtClean="0"/>
+              <a:t>- </a:t>
+            </a:r>
+            <a:r>
+              <a:rPr lang="ko-KR" altLang="en-US" dirty="0" smtClean="0"/>
+              <a:t>사용의 어려움</a:t>
+            </a:r>
+            <a:endParaRPr lang="en-US" altLang="ko-KR" dirty="0" smtClean="0"/>
+          </a:p>
+          <a:p>
+            <a:pPr marL="0" indent="0">
+              <a:buNone/>
+            </a:pPr>
+            <a:r>
+              <a:rPr lang="en-US" altLang="ko-KR" dirty="0"/>
+              <a:t> </a:t>
+            </a:r>
+            <a:r>
+              <a:rPr lang="en-US" altLang="ko-KR" dirty="0" smtClean="0"/>
+              <a:t>- </a:t>
+            </a:r>
+            <a:r>
+              <a:rPr lang="ko-KR" altLang="en-US" dirty="0" smtClean="0"/>
+              <a:t>호환성 문제</a:t>
+            </a:r>
+            <a:endParaRPr lang="en-US" altLang="ko-KR" dirty="0" smtClean="0"/>
+          </a:p>
+          <a:p>
+            <a:pPr marL="0" indent="0">
+              <a:buNone/>
+            </a:pPr>
+            <a:r>
+              <a:rPr lang="en-US" altLang="ko-KR" dirty="0" smtClean="0"/>
+              <a:t> </a:t>
+            </a:r>
+            <a:endParaRPr lang="ko-KR" altLang="en-US" dirty="0"/>
           </a:p>
         </p:txBody>
       </p:sp>
@@ -3551,33 +3931,452 @@
           <a:bodyPr/>
           <a:lstStyle/>
           <a:p>
-            <a:endParaRPr lang="ko-KR" altLang="en-US"/>
-          </a:p>
-        </p:txBody>
-      </p:sp>
-      <p:sp>
-        <p:nvSpPr>
-          <p:cNvPr id="3" name="내용 개체 틀 2"/>
-          <p:cNvSpPr>
-            <a:spLocks noGrp="1"/>
-          </p:cNvSpPr>
+            <a:r>
+              <a:rPr lang="ko-KR" altLang="en-US" dirty="0" smtClean="0"/>
+              <a:t>활용사례 및 전망</a:t>
+            </a:r>
+            <a:endParaRPr lang="ko-KR" altLang="en-US" dirty="0"/>
+          </a:p>
+        </p:txBody>
+      </p:sp>
+      <p:pic>
+        <p:nvPicPr>
+          <p:cNvPr id="1026" name="Picture 2"/>
+          <p:cNvPicPr>
+            <a:picLocks noGrp="1" noChangeAspect="1" noChangeArrowheads="1"/>
+          </p:cNvPicPr>
           <p:nvPr>
             <p:ph idx="1"/>
           </p:nvPr>
-        </p:nvSpPr>
-        <p:spPr/>
-        <p:txBody>
-          <a:bodyPr/>
-          <a:lstStyle/>
-          <a:p>
-            <a:endParaRPr lang="ko-KR" altLang="en-US"/>
-          </a:p>
-        </p:txBody>
-      </p:sp>
+        </p:nvPicPr>
+        <p:blipFill>
+          <a:blip r:embed="rId2">
+            <a:extLst>
+              <a:ext uri="{28A0092B-C50C-407E-A947-70E740481C1C}">
+                <a14:useLocalDpi xmlns:a14="http://schemas.microsoft.com/office/drawing/2010/main" val="0"/>
+              </a:ext>
+            </a:extLst>
+          </a:blip>
+          <a:srcRect/>
+          <a:stretch>
+            <a:fillRect/>
+          </a:stretch>
+        </p:blipFill>
+        <p:spPr bwMode="auto">
+          <a:xfrm>
+            <a:off x="395536" y="1700808"/>
+            <a:ext cx="3352800" cy="1447800"/>
+          </a:xfrm>
+          <a:prstGeom prst="rect">
+            <a:avLst/>
+          </a:prstGeom>
+          <a:noFill/>
+          <a:ln>
+            <a:noFill/>
+          </a:ln>
+          <a:effectLst/>
+          <a:extLst>
+            <a:ext uri="{909E8E84-426E-40DD-AFC4-6F175D3DCCD1}">
+              <a14:hiddenFill xmlns:a14="http://schemas.microsoft.com/office/drawing/2010/main">
+                <a:solidFill>
+                  <a:schemeClr val="accent1"/>
+                </a:solidFill>
+              </a14:hiddenFill>
+            </a:ext>
+            <a:ext uri="{91240B29-F687-4F45-9708-019B960494DF}">
+              <a14:hiddenLine xmlns:a14="http://schemas.microsoft.com/office/drawing/2010/main" w="9525">
+                <a:solidFill>
+                  <a:schemeClr val="tx1"/>
+                </a:solidFill>
+                <a:miter lim="800000"/>
+                <a:headEnd/>
+                <a:tailEnd/>
+              </a14:hiddenLine>
+            </a:ext>
+            <a:ext uri="{AF507438-7753-43E0-B8FC-AC1667EBCBE1}">
+              <a14:hiddenEffects xmlns:a14="http://schemas.microsoft.com/office/drawing/2010/main">
+                <a:effectLst>
+                  <a:outerShdw dist="35921" dir="2700000" algn="ctr" rotWithShape="0">
+                    <a:schemeClr val="bg2"/>
+                  </a:outerShdw>
+                </a:effectLst>
+              </a14:hiddenEffects>
+            </a:ext>
+          </a:extLst>
+        </p:spPr>
+      </p:pic>
+      <p:sp>
+        <p:nvSpPr>
+          <p:cNvPr id="4" name="AutoShape 4" descr="firefox에 대한 이미지 검색결과"/>
+          <p:cNvSpPr>
+            <a:spLocks noChangeAspect="1" noChangeArrowheads="1"/>
+          </p:cNvSpPr>
+          <p:nvPr/>
+        </p:nvSpPr>
+        <p:spPr bwMode="auto">
+          <a:xfrm>
+            <a:off x="168275" y="-144463"/>
+            <a:ext cx="304800" cy="304801"/>
+          </a:xfrm>
+          <a:prstGeom prst="rect">
+            <a:avLst/>
+          </a:prstGeom>
+          <a:noFill/>
+          <a:extLst>
+            <a:ext uri="{909E8E84-426E-40DD-AFC4-6F175D3DCCD1}">
+              <a14:hiddenFill xmlns:a14="http://schemas.microsoft.com/office/drawing/2010/main">
+                <a:solidFill>
+                  <a:srgbClr val="FFFFFF"/>
+                </a:solidFill>
+              </a14:hiddenFill>
+            </a:ext>
+          </a:extLst>
+        </p:spPr>
+        <p:txBody>
+          <a:bodyPr vert="horz" wrap="square" lIns="91440" tIns="45720" rIns="91440" bIns="45720" numCol="1" anchor="t" anchorCtr="0" compatLnSpc="1">
+            <a:prstTxWarp prst="textNoShape">
+              <a:avLst/>
+            </a:prstTxWarp>
+          </a:bodyPr>
+          <a:lstStyle/>
+          <a:p>
+            <a:endParaRPr lang="ko-KR" altLang="en-US"/>
+          </a:p>
+        </p:txBody>
+      </p:sp>
+      <p:pic>
+        <p:nvPicPr>
+          <p:cNvPr id="1029" name="Picture 5"/>
+          <p:cNvPicPr>
+            <a:picLocks noChangeAspect="1" noChangeArrowheads="1"/>
+          </p:cNvPicPr>
+          <p:nvPr/>
+        </p:nvPicPr>
+        <p:blipFill>
+          <a:blip r:embed="rId3">
+            <a:extLst>
+              <a:ext uri="{28A0092B-C50C-407E-A947-70E740481C1C}">
+                <a14:useLocalDpi xmlns:a14="http://schemas.microsoft.com/office/drawing/2010/main" val="0"/>
+              </a:ext>
+            </a:extLst>
+          </a:blip>
+          <a:srcRect/>
+          <a:stretch>
+            <a:fillRect/>
+          </a:stretch>
+        </p:blipFill>
+        <p:spPr bwMode="auto">
+          <a:xfrm>
+            <a:off x="5220072" y="1628800"/>
+            <a:ext cx="2143125" cy="2143125"/>
+          </a:xfrm>
+          <a:prstGeom prst="rect">
+            <a:avLst/>
+          </a:prstGeom>
+          <a:noFill/>
+          <a:ln>
+            <a:noFill/>
+          </a:ln>
+          <a:effectLst/>
+          <a:extLst>
+            <a:ext uri="{909E8E84-426E-40DD-AFC4-6F175D3DCCD1}">
+              <a14:hiddenFill xmlns:a14="http://schemas.microsoft.com/office/drawing/2010/main">
+                <a:solidFill>
+                  <a:schemeClr val="accent1"/>
+                </a:solidFill>
+              </a14:hiddenFill>
+            </a:ext>
+            <a:ext uri="{91240B29-F687-4F45-9708-019B960494DF}">
+              <a14:hiddenLine xmlns:a14="http://schemas.microsoft.com/office/drawing/2010/main" w="9525">
+                <a:solidFill>
+                  <a:schemeClr val="tx1"/>
+                </a:solidFill>
+                <a:miter lim="800000"/>
+                <a:headEnd/>
+                <a:tailEnd/>
+              </a14:hiddenLine>
+            </a:ext>
+            <a:ext uri="{AF507438-7753-43E0-B8FC-AC1667EBCBE1}">
+              <a14:hiddenEffects xmlns:a14="http://schemas.microsoft.com/office/drawing/2010/main">
+                <a:effectLst>
+                  <a:outerShdw dist="35921" dir="2700000" algn="ctr" rotWithShape="0">
+                    <a:schemeClr val="bg2"/>
+                  </a:outerShdw>
+                </a:effectLst>
+              </a14:hiddenEffects>
+            </a:ext>
+          </a:extLst>
+        </p:spPr>
+      </p:pic>
+      <p:pic>
+        <p:nvPicPr>
+          <p:cNvPr id="1030" name="Picture 6"/>
+          <p:cNvPicPr>
+            <a:picLocks noChangeAspect="1" noChangeArrowheads="1"/>
+          </p:cNvPicPr>
+          <p:nvPr/>
+        </p:nvPicPr>
+        <p:blipFill>
+          <a:blip r:embed="rId4">
+            <a:extLst>
+              <a:ext uri="{28A0092B-C50C-407E-A947-70E740481C1C}">
+                <a14:useLocalDpi xmlns:a14="http://schemas.microsoft.com/office/drawing/2010/main" val="0"/>
+              </a:ext>
+            </a:extLst>
+          </a:blip>
+          <a:srcRect/>
+          <a:stretch>
+            <a:fillRect/>
+          </a:stretch>
+        </p:blipFill>
+        <p:spPr bwMode="auto">
+          <a:xfrm>
+            <a:off x="1547664" y="3933056"/>
+            <a:ext cx="2143125" cy="2143125"/>
+          </a:xfrm>
+          <a:prstGeom prst="rect">
+            <a:avLst/>
+          </a:prstGeom>
+          <a:noFill/>
+          <a:ln>
+            <a:noFill/>
+          </a:ln>
+          <a:effectLst/>
+          <a:extLst>
+            <a:ext uri="{909E8E84-426E-40DD-AFC4-6F175D3DCCD1}">
+              <a14:hiddenFill xmlns:a14="http://schemas.microsoft.com/office/drawing/2010/main">
+                <a:solidFill>
+                  <a:schemeClr val="accent1"/>
+                </a:solidFill>
+              </a14:hiddenFill>
+            </a:ext>
+            <a:ext uri="{91240B29-F687-4F45-9708-019B960494DF}">
+              <a14:hiddenLine xmlns:a14="http://schemas.microsoft.com/office/drawing/2010/main" w="9525">
+                <a:solidFill>
+                  <a:schemeClr val="tx1"/>
+                </a:solidFill>
+                <a:miter lim="800000"/>
+                <a:headEnd/>
+                <a:tailEnd/>
+              </a14:hiddenLine>
+            </a:ext>
+            <a:ext uri="{AF507438-7753-43E0-B8FC-AC1667EBCBE1}">
+              <a14:hiddenEffects xmlns:a14="http://schemas.microsoft.com/office/drawing/2010/main">
+                <a:effectLst>
+                  <a:outerShdw dist="35921" dir="2700000" algn="ctr" rotWithShape="0">
+                    <a:schemeClr val="bg2"/>
+                  </a:outerShdw>
+                </a:effectLst>
+              </a14:hiddenEffects>
+            </a:ext>
+          </a:extLst>
+        </p:spPr>
+      </p:pic>
     </p:spTree>
     <p:extLst>
       <p:ext uri="{BB962C8B-B14F-4D97-AF65-F5344CB8AC3E}">
         <p14:creationId xmlns:p14="http://schemas.microsoft.com/office/powerpoint/2010/main" val="2000369112"/>
+      </p:ext>
+    </p:extLst>
+  </p:cSld>
+  <p:clrMapOvr>
+    <a:masterClrMapping/>
+  </p:clrMapOvr>
+</p:sld>
+</file>
+
+<file path=ppt/slides/slide7.xml><?xml version="1.0" encoding="utf-8"?>
+<p:sld xmlns:a="http://schemas.openxmlformats.org/drawingml/2006/main" xmlns:r="http://schemas.openxmlformats.org/officeDocument/2006/relationships" xmlns:p="http://schemas.openxmlformats.org/presentationml/2006/main">
+  <p:cSld>
+    <p:spTree>
+      <p:nvGrpSpPr>
+        <p:cNvPr id="1" name=""/>
+        <p:cNvGrpSpPr/>
+        <p:nvPr/>
+      </p:nvGrpSpPr>
+      <p:grpSpPr>
+        <a:xfrm>
+          <a:off x="0" y="0"/>
+          <a:ext cx="0" cy="0"/>
+          <a:chOff x="0" y="0"/>
+          <a:chExt cx="0" cy="0"/>
+        </a:xfrm>
+      </p:grpSpPr>
+      <p:sp>
+        <p:nvSpPr>
+          <p:cNvPr id="2" name="제목 1"/>
+          <p:cNvSpPr>
+            <a:spLocks noGrp="1"/>
+          </p:cNvSpPr>
+          <p:nvPr>
+            <p:ph type="title"/>
+          </p:nvPr>
+        </p:nvSpPr>
+        <p:spPr/>
+        <p:txBody>
+          <a:bodyPr/>
+          <a:lstStyle/>
+          <a:p>
+            <a:r>
+              <a:rPr lang="ko-KR" altLang="en-US" dirty="0" smtClean="0"/>
+              <a:t>활용사례 및 전망</a:t>
+            </a:r>
+            <a:endParaRPr lang="ko-KR" altLang="en-US" dirty="0"/>
+          </a:p>
+        </p:txBody>
+      </p:sp>
+      <p:pic>
+        <p:nvPicPr>
+          <p:cNvPr id="2050" name="Picture 2"/>
+          <p:cNvPicPr>
+            <a:picLocks noGrp="1" noChangeAspect="1" noChangeArrowheads="1"/>
+          </p:cNvPicPr>
+          <p:nvPr>
+            <p:ph idx="1"/>
+          </p:nvPr>
+        </p:nvPicPr>
+        <p:blipFill rotWithShape="1">
+          <a:blip r:embed="rId2">
+            <a:extLst>
+              <a:ext uri="{28A0092B-C50C-407E-A947-70E740481C1C}">
+                <a14:useLocalDpi xmlns:a14="http://schemas.microsoft.com/office/drawing/2010/main" val="0"/>
+              </a:ext>
+            </a:extLst>
+          </a:blip>
+          <a:srcRect l="17647" t="11441" r="39679" b="6714"/>
+          <a:stretch/>
+        </p:blipFill>
+        <p:spPr bwMode="auto">
+          <a:xfrm>
+            <a:off x="1979712" y="1412776"/>
+            <a:ext cx="4805853" cy="5184576"/>
+          </a:xfrm>
+          <a:prstGeom prst="rect">
+            <a:avLst/>
+          </a:prstGeom>
+          <a:noFill/>
+          <a:ln>
+            <a:noFill/>
+          </a:ln>
+          <a:effectLst/>
+          <a:extLst>
+            <a:ext uri="{909E8E84-426E-40DD-AFC4-6F175D3DCCD1}">
+              <a14:hiddenFill xmlns:a14="http://schemas.microsoft.com/office/drawing/2010/main">
+                <a:solidFill>
+                  <a:schemeClr val="accent1"/>
+                </a:solidFill>
+              </a14:hiddenFill>
+            </a:ext>
+            <a:ext uri="{91240B29-F687-4F45-9708-019B960494DF}">
+              <a14:hiddenLine xmlns:a14="http://schemas.microsoft.com/office/drawing/2010/main" w="9525">
+                <a:solidFill>
+                  <a:schemeClr val="tx1"/>
+                </a:solidFill>
+                <a:miter lim="800000"/>
+                <a:headEnd/>
+                <a:tailEnd/>
+              </a14:hiddenLine>
+            </a:ext>
+            <a:ext uri="{AF507438-7753-43E0-B8FC-AC1667EBCBE1}">
+              <a14:hiddenEffects xmlns:a14="http://schemas.microsoft.com/office/drawing/2010/main">
+                <a:effectLst>
+                  <a:outerShdw dist="35921" dir="2700000" algn="ctr" rotWithShape="0">
+                    <a:schemeClr val="bg2"/>
+                  </a:outerShdw>
+                </a:effectLst>
+              </a14:hiddenEffects>
+            </a:ext>
+          </a:extLst>
+        </p:spPr>
+      </p:pic>
+    </p:spTree>
+    <p:extLst>
+      <p:ext uri="{BB962C8B-B14F-4D97-AF65-F5344CB8AC3E}">
+        <p14:creationId xmlns:p14="http://schemas.microsoft.com/office/powerpoint/2010/main" val="4095234514"/>
+      </p:ext>
+    </p:extLst>
+  </p:cSld>
+  <p:clrMapOvr>
+    <a:masterClrMapping/>
+  </p:clrMapOvr>
+</p:sld>
+</file>
+
+<file path=ppt/slides/slide8.xml><?xml version="1.0" encoding="utf-8"?>
+<p:sld xmlns:a="http://schemas.openxmlformats.org/drawingml/2006/main" xmlns:r="http://schemas.openxmlformats.org/officeDocument/2006/relationships" xmlns:p="http://schemas.openxmlformats.org/presentationml/2006/main">
+  <p:cSld>
+    <p:spTree>
+      <p:nvGrpSpPr>
+        <p:cNvPr id="1" name=""/>
+        <p:cNvGrpSpPr/>
+        <p:nvPr/>
+      </p:nvGrpSpPr>
+      <p:grpSpPr>
+        <a:xfrm>
+          <a:off x="0" y="0"/>
+          <a:ext cx="0" cy="0"/>
+          <a:chOff x="0" y="0"/>
+          <a:chExt cx="0" cy="0"/>
+        </a:xfrm>
+      </p:grpSpPr>
+      <p:sp>
+        <p:nvSpPr>
+          <p:cNvPr id="2" name="제목 1"/>
+          <p:cNvSpPr>
+            <a:spLocks noGrp="1"/>
+          </p:cNvSpPr>
+          <p:nvPr>
+            <p:ph type="title"/>
+          </p:nvPr>
+        </p:nvSpPr>
+        <p:spPr/>
+        <p:txBody>
+          <a:bodyPr/>
+          <a:lstStyle/>
+          <a:p>
+            <a:r>
+              <a:rPr lang="ko-KR" altLang="en-US" dirty="0" err="1" smtClean="0"/>
+              <a:t>오픈소스의</a:t>
+            </a:r>
+            <a:r>
+              <a:rPr lang="ko-KR" altLang="en-US" dirty="0" smtClean="0"/>
+              <a:t> 성지</a:t>
+            </a:r>
+            <a:r>
+              <a:rPr lang="en-US" altLang="ko-KR" dirty="0" smtClean="0"/>
+              <a:t>, </a:t>
+            </a:r>
+            <a:r>
+              <a:rPr lang="en-US" altLang="ko-KR" dirty="0" err="1" smtClean="0"/>
+              <a:t>GitHub</a:t>
+            </a:r>
+            <a:endParaRPr lang="ko-KR" altLang="en-US" dirty="0"/>
+          </a:p>
+        </p:txBody>
+      </p:sp>
+      <p:sp>
+        <p:nvSpPr>
+          <p:cNvPr id="3" name="내용 개체 틀 2"/>
+          <p:cNvSpPr>
+            <a:spLocks noGrp="1"/>
+          </p:cNvSpPr>
+          <p:nvPr>
+            <p:ph idx="1"/>
+          </p:nvPr>
+        </p:nvSpPr>
+        <p:spPr/>
+        <p:txBody>
+          <a:bodyPr/>
+          <a:lstStyle/>
+          <a:p>
+            <a:endParaRPr lang="ko-KR" altLang="en-US"/>
+          </a:p>
+        </p:txBody>
+      </p:sp>
+    </p:spTree>
+    <p:extLst>
+      <p:ext uri="{BB962C8B-B14F-4D97-AF65-F5344CB8AC3E}">
+        <p14:creationId xmlns:p14="http://schemas.microsoft.com/office/powerpoint/2010/main" val="2198012417"/>
       </p:ext>
     </p:extLst>
   </p:cSld>

--- a/OpenSource.pptx
+++ b/OpenSource.pptx
@@ -4354,25 +4354,136 @@
           </a:p>
         </p:txBody>
       </p:sp>
-      <p:sp>
-        <p:nvSpPr>
-          <p:cNvPr id="3" name="내용 개체 틀 2"/>
-          <p:cNvSpPr>
-            <a:spLocks noGrp="1"/>
-          </p:cNvSpPr>
+      <p:pic>
+        <p:nvPicPr>
+          <p:cNvPr id="1026" name="Picture 2"/>
+          <p:cNvPicPr>
+            <a:picLocks noGrp="1" noChangeAspect="1" noChangeArrowheads="1"/>
+          </p:cNvPicPr>
           <p:nvPr>
             <p:ph idx="1"/>
           </p:nvPr>
-        </p:nvSpPr>
-        <p:spPr/>
-        <p:txBody>
-          <a:bodyPr/>
-          <a:lstStyle/>
-          <a:p>
-            <a:endParaRPr lang="ko-KR" altLang="en-US"/>
-          </a:p>
-        </p:txBody>
-      </p:sp>
+        </p:nvPicPr>
+        <p:blipFill>
+          <a:blip r:embed="rId2">
+            <a:extLst>
+              <a:ext uri="{28A0092B-C50C-407E-A947-70E740481C1C}">
+                <a14:useLocalDpi xmlns:a14="http://schemas.microsoft.com/office/drawing/2010/main" val="0"/>
+              </a:ext>
+            </a:extLst>
+          </a:blip>
+          <a:srcRect/>
+          <a:stretch>
+            <a:fillRect/>
+          </a:stretch>
+        </p:blipFill>
+        <p:spPr bwMode="auto">
+          <a:xfrm>
+            <a:off x="5580112" y="1916832"/>
+            <a:ext cx="2362200" cy="1242060"/>
+          </a:xfrm>
+          <a:prstGeom prst="rect">
+            <a:avLst/>
+          </a:prstGeom>
+          <a:noFill/>
+          <a:ln>
+            <a:noFill/>
+          </a:ln>
+          <a:effectLst/>
+          <a:extLst>
+            <a:ext uri="{909E8E84-426E-40DD-AFC4-6F175D3DCCD1}">
+              <a14:hiddenFill xmlns:a14="http://schemas.microsoft.com/office/drawing/2010/main">
+                <a:solidFill>
+                  <a:schemeClr val="accent1"/>
+                </a:solidFill>
+              </a14:hiddenFill>
+            </a:ext>
+            <a:ext uri="{91240B29-F687-4F45-9708-019B960494DF}">
+              <a14:hiddenLine xmlns:a14="http://schemas.microsoft.com/office/drawing/2010/main" w="9525">
+                <a:solidFill>
+                  <a:schemeClr val="tx1"/>
+                </a:solidFill>
+                <a:miter lim="800000"/>
+                <a:headEnd/>
+                <a:tailEnd/>
+              </a14:hiddenLine>
+            </a:ext>
+            <a:ext uri="{AF507438-7753-43E0-B8FC-AC1667EBCBE1}">
+              <a14:hiddenEffects xmlns:a14="http://schemas.microsoft.com/office/drawing/2010/main">
+                <a:effectLst>
+                  <a:outerShdw dist="35921" dir="2700000" algn="ctr" rotWithShape="0">
+                    <a:schemeClr val="bg2"/>
+                  </a:outerShdw>
+                </a:effectLst>
+              </a14:hiddenEffects>
+            </a:ext>
+          </a:extLst>
+        </p:spPr>
+      </p:pic>
+      <p:pic>
+        <p:nvPicPr>
+          <p:cNvPr id="1027" name="Picture 3"/>
+          <p:cNvPicPr>
+            <a:picLocks noChangeAspect="1" noChangeArrowheads="1"/>
+          </p:cNvPicPr>
+          <p:nvPr/>
+        </p:nvPicPr>
+        <p:blipFill>
+          <a:blip r:embed="rId3">
+            <a:extLst>
+              <a:ext uri="{28A0092B-C50C-407E-A947-70E740481C1C}">
+                <a14:useLocalDpi xmlns:a14="http://schemas.microsoft.com/office/drawing/2010/main" val="0"/>
+              </a:ext>
+            </a:extLst>
+          </a:blip>
+          <a:srcRect/>
+          <a:stretch>
+            <a:fillRect/>
+          </a:stretch>
+        </p:blipFill>
+        <p:spPr bwMode="auto">
+          <a:xfrm>
+            <a:off x="179512" y="1628800"/>
+            <a:ext cx="5664915" cy="4392488"/>
+          </a:xfrm>
+          <a:prstGeom prst="rect">
+            <a:avLst/>
+          </a:prstGeom>
+          <a:noFill/>
+          <a:ln>
+            <a:noFill/>
+          </a:ln>
+          <a:effectLst/>
+          <a:extLst>
+            <a:ext uri="{909E8E84-426E-40DD-AFC4-6F175D3DCCD1}">
+              <a14:hiddenFill xmlns:a14="http://schemas.microsoft.com/office/drawing/2010/main">
+                <a:solidFill>
+                  <a:schemeClr val="accent1"/>
+                </a:solidFill>
+              </a14:hiddenFill>
+            </a:ext>
+            <a:ext uri="{91240B29-F687-4F45-9708-019B960494DF}">
+              <a14:hiddenLine xmlns:a14="http://schemas.microsoft.com/office/drawing/2010/main" w="9525">
+                <a:solidFill>
+                  <a:schemeClr val="tx1"/>
+                </a:solidFill>
+                <a:miter lim="800000"/>
+                <a:headEnd/>
+                <a:tailEnd/>
+              </a14:hiddenLine>
+            </a:ext>
+            <a:ext uri="{AF507438-7753-43E0-B8FC-AC1667EBCBE1}">
+              <a14:hiddenEffects xmlns:a14="http://schemas.microsoft.com/office/drawing/2010/main">
+                <a:effectLst>
+                  <a:outerShdw dist="35921" dir="2700000" algn="ctr" rotWithShape="0">
+                    <a:schemeClr val="bg2"/>
+                  </a:outerShdw>
+                </a:effectLst>
+              </a14:hiddenEffects>
+            </a:ext>
+          </a:extLst>
+        </p:spPr>
+      </p:pic>
     </p:spTree>
     <p:extLst>
       <p:ext uri="{BB962C8B-B14F-4D97-AF65-F5344CB8AC3E}">

--- a/OpenSource.pptx
+++ b/OpenSource.pptx
@@ -13,6 +13,7 @@
     <p:sldId id="261" r:id="rId7"/>
     <p:sldId id="262" r:id="rId8"/>
     <p:sldId id="263" r:id="rId9"/>
+    <p:sldId id="264" r:id="rId10"/>
   </p:sldIdLst>
   <p:sldSz cx="9144000" cy="6858000" type="screen4x3"/>
   <p:notesSz cx="6858000" cy="9144000"/>
@@ -4488,6 +4489,164 @@
     <p:extLst>
       <p:ext uri="{BB962C8B-B14F-4D97-AF65-F5344CB8AC3E}">
         <p14:creationId xmlns:p14="http://schemas.microsoft.com/office/powerpoint/2010/main" val="2198012417"/>
+      </p:ext>
+    </p:extLst>
+  </p:cSld>
+  <p:clrMapOvr>
+    <a:masterClrMapping/>
+  </p:clrMapOvr>
+</p:sld>
+</file>
+
+<file path=ppt/slides/slide9.xml><?xml version="1.0" encoding="utf-8"?>
+<p:sld xmlns:a="http://schemas.openxmlformats.org/drawingml/2006/main" xmlns:r="http://schemas.openxmlformats.org/officeDocument/2006/relationships" xmlns:p="http://schemas.openxmlformats.org/presentationml/2006/main">
+  <p:cSld>
+    <p:spTree>
+      <p:nvGrpSpPr>
+        <p:cNvPr id="1" name=""/>
+        <p:cNvGrpSpPr/>
+        <p:nvPr/>
+      </p:nvGrpSpPr>
+      <p:grpSpPr>
+        <a:xfrm>
+          <a:off x="0" y="0"/>
+          <a:ext cx="0" cy="0"/>
+          <a:chOff x="0" y="0"/>
+          <a:chExt cx="0" cy="0"/>
+        </a:xfrm>
+      </p:grpSpPr>
+      <p:pic>
+        <p:nvPicPr>
+          <p:cNvPr id="1026" name="Picture 2"/>
+          <p:cNvPicPr>
+            <a:picLocks noGrp="1" noChangeAspect="1" noChangeArrowheads="1"/>
+          </p:cNvPicPr>
+          <p:nvPr>
+            <p:ph idx="1"/>
+          </p:nvPr>
+        </p:nvPicPr>
+        <p:blipFill>
+          <a:blip r:embed="rId2">
+            <a:extLst>
+              <a:ext uri="{28A0092B-C50C-407E-A947-70E740481C1C}">
+                <a14:useLocalDpi xmlns:a14="http://schemas.microsoft.com/office/drawing/2010/main" val="0"/>
+              </a:ext>
+            </a:extLst>
+          </a:blip>
+          <a:srcRect/>
+          <a:stretch>
+            <a:fillRect/>
+          </a:stretch>
+        </p:blipFill>
+        <p:spPr bwMode="auto">
+          <a:xfrm>
+            <a:off x="467544" y="260648"/>
+            <a:ext cx="5400600" cy="2821736"/>
+          </a:xfrm>
+          <a:prstGeom prst="rect">
+            <a:avLst/>
+          </a:prstGeom>
+          <a:noFill/>
+          <a:ln>
+            <a:noFill/>
+          </a:ln>
+          <a:effectLst/>
+          <a:extLst>
+            <a:ext uri="{909E8E84-426E-40DD-AFC4-6F175D3DCCD1}">
+              <a14:hiddenFill xmlns:a14="http://schemas.microsoft.com/office/drawing/2010/main">
+                <a:solidFill>
+                  <a:schemeClr val="accent1"/>
+                </a:solidFill>
+              </a14:hiddenFill>
+            </a:ext>
+            <a:ext uri="{91240B29-F687-4F45-9708-019B960494DF}">
+              <a14:hiddenLine xmlns:a14="http://schemas.microsoft.com/office/drawing/2010/main" w="9525">
+                <a:solidFill>
+                  <a:schemeClr val="tx1"/>
+                </a:solidFill>
+                <a:miter lim="800000"/>
+                <a:headEnd/>
+                <a:tailEnd/>
+              </a14:hiddenLine>
+            </a:ext>
+            <a:ext uri="{AF507438-7753-43E0-B8FC-AC1667EBCBE1}">
+              <a14:hiddenEffects xmlns:a14="http://schemas.microsoft.com/office/drawing/2010/main">
+                <a:effectLst>
+                  <a:outerShdw dist="35921" dir="2700000" algn="ctr" rotWithShape="0">
+                    <a:schemeClr val="bg2"/>
+                  </a:outerShdw>
+                </a:effectLst>
+              </a14:hiddenEffects>
+            </a:ext>
+          </a:extLst>
+        </p:spPr>
+      </p:pic>
+      <p:pic>
+        <p:nvPicPr>
+          <p:cNvPr id="1027" name="Picture 3"/>
+          <p:cNvPicPr>
+            <a:picLocks noChangeAspect="1" noChangeArrowheads="1"/>
+          </p:cNvPicPr>
+          <p:nvPr/>
+        </p:nvPicPr>
+        <p:blipFill rotWithShape="1">
+          <a:blip r:embed="rId3">
+            <a:extLst>
+              <a:ext uri="{28A0092B-C50C-407E-A947-70E740481C1C}">
+                <a14:useLocalDpi xmlns:a14="http://schemas.microsoft.com/office/drawing/2010/main" val="0"/>
+              </a:ext>
+            </a:extLst>
+          </a:blip>
+          <a:srcRect l="15791" t="16190" r="15178" b="17550"/>
+          <a:stretch/>
+        </p:blipFill>
+        <p:spPr bwMode="auto">
+          <a:xfrm>
+            <a:off x="2875607" y="3220481"/>
+            <a:ext cx="6268393" cy="3384376"/>
+          </a:xfrm>
+          <a:prstGeom prst="rect">
+            <a:avLst/>
+          </a:prstGeom>
+          <a:noFill/>
+          <a:ln>
+            <a:noFill/>
+          </a:ln>
+          <a:effectLst/>
+          <a:extLst>
+            <a:ext uri="{909E8E84-426E-40DD-AFC4-6F175D3DCCD1}">
+              <a14:hiddenFill xmlns:a14="http://schemas.microsoft.com/office/drawing/2010/main">
+                <a:solidFill>
+                  <a:schemeClr val="accent1"/>
+                </a:solidFill>
+              </a14:hiddenFill>
+            </a:ext>
+            <a:ext uri="{91240B29-F687-4F45-9708-019B960494DF}">
+              <a14:hiddenLine xmlns:a14="http://schemas.microsoft.com/office/drawing/2010/main" w="9525">
+                <a:solidFill>
+                  <a:schemeClr val="tx1"/>
+                </a:solidFill>
+                <a:miter lim="800000"/>
+                <a:headEnd/>
+                <a:tailEnd/>
+              </a14:hiddenLine>
+            </a:ext>
+            <a:ext uri="{AF507438-7753-43E0-B8FC-AC1667EBCBE1}">
+              <a14:hiddenEffects xmlns:a14="http://schemas.microsoft.com/office/drawing/2010/main">
+                <a:effectLst>
+                  <a:outerShdw dist="35921" dir="2700000" algn="ctr" rotWithShape="0">
+                    <a:schemeClr val="bg2"/>
+                  </a:outerShdw>
+                </a:effectLst>
+              </a14:hiddenEffects>
+            </a:ext>
+          </a:extLst>
+        </p:spPr>
+      </p:pic>
+    </p:spTree>
+    <p:extLst>
+      <p:ext uri="{BB962C8B-B14F-4D97-AF65-F5344CB8AC3E}">
+        <p14:creationId xmlns:p14="http://schemas.microsoft.com/office/powerpoint/2010/main" val="1258459590"/>
       </p:ext>
     </p:extLst>
   </p:cSld>
